--- a/3차수정자료제출 5-4(이승해,신동윤,김주호).pptx
+++ b/3차수정자료제출 5-4(이승해,신동윤,김주호).pptx
@@ -9147,36 +9147,6 @@
           </a:p>
         </p:txBody>
       </p:sp>
-      <p:pic>
-        <p:nvPicPr>
-          <p:cNvPr id="2" name="그림 1">
-            <a:extLst>
-              <a:ext uri="{FF2B5EF4-FFF2-40B4-BE49-F238E27FC236}">
-                <a16:creationId xmlns:a16="http://schemas.microsoft.com/office/drawing/2014/main" id="{083DECDF-5E07-4F8E-A4EB-E08F85F4F6FD}"/>
-              </a:ext>
-            </a:extLst>
-          </p:cNvPr>
-          <p:cNvPicPr>
-            <a:picLocks noChangeAspect="1"/>
-          </p:cNvPicPr>
-          <p:nvPr/>
-        </p:nvPicPr>
-        <p:blipFill>
-          <a:blip r:embed="rId3"/>
-          <a:stretch>
-            <a:fillRect/>
-          </a:stretch>
-        </p:blipFill>
-        <p:spPr>
-          <a:xfrm>
-            <a:off x="65424" y="1416074"/>
-            <a:ext cx="4575339" cy="2590602"/>
-          </a:xfrm>
-          <a:prstGeom prst="rect">
-            <a:avLst/>
-          </a:prstGeom>
-        </p:spPr>
-      </p:pic>
       <p:sp>
         <p:nvSpPr>
           <p:cNvPr id="8" name="TextBox 7">
@@ -9217,6 +9187,42 @@
           </a:p>
         </p:txBody>
       </p:sp>
+      <p:pic>
+        <p:nvPicPr>
+          <p:cNvPr id="6" name="그림 5" descr="스크린샷이(가) 표시된 사진&#10;&#10;매우 높은 신뢰도로 생성된 설명">
+            <a:extLst>
+              <a:ext uri="{FF2B5EF4-FFF2-40B4-BE49-F238E27FC236}">
+                <a16:creationId xmlns:a16="http://schemas.microsoft.com/office/drawing/2014/main" id="{F0678597-95C9-4DB8-9D7B-3F70ED19BCE2}"/>
+              </a:ext>
+            </a:extLst>
+          </p:cNvPr>
+          <p:cNvPicPr>
+            <a:picLocks noChangeAspect="1"/>
+          </p:cNvPicPr>
+          <p:nvPr/>
+        </p:nvPicPr>
+        <p:blipFill>
+          <a:blip r:embed="rId3">
+            <a:extLst>
+              <a:ext uri="{28A0092B-C50C-407E-A947-70E740481C1C}">
+                <a14:useLocalDpi xmlns:a14="http://schemas.microsoft.com/office/drawing/2010/main" val="0"/>
+              </a:ext>
+            </a:extLst>
+          </a:blip>
+          <a:stretch>
+            <a:fillRect/>
+          </a:stretch>
+        </p:blipFill>
+        <p:spPr>
+          <a:xfrm>
+            <a:off x="165446" y="1242150"/>
+            <a:ext cx="4241109" cy="2761358"/>
+          </a:xfrm>
+          <a:prstGeom prst="rect">
+            <a:avLst/>
+          </a:prstGeom>
+        </p:spPr>
+      </p:pic>
     </p:spTree>
     <p:extLst>
       <p:ext uri="{BB962C8B-B14F-4D97-AF65-F5344CB8AC3E}">
@@ -9289,33 +9295,6 @@
                                         </p:cTn>
                                         <p:tgtEl>
                                           <p:spTgt spid="5"/>
-                                        </p:tgtEl>
-                                        <p:attrNameLst>
-                                          <p:attrName>style.visibility</p:attrName>
-                                        </p:attrNameLst>
-                                      </p:cBhvr>
-                                      <p:to>
-                                        <p:strVal val="visible"/>
-                                      </p:to>
-                                    </p:set>
-                                  </p:childTnLst>
-                                </p:cTn>
-                              </p:par>
-                              <p:par>
-                                <p:cTn id="9" presetID="1" presetClass="entr" presetSubtype="0" fill="hold" nodeType="withEffect">
-                                  <p:stCondLst>
-                                    <p:cond delay="0"/>
-                                  </p:stCondLst>
-                                  <p:childTnLst>
-                                    <p:set>
-                                      <p:cBhvr>
-                                        <p:cTn id="10" dur="1" fill="hold">
-                                          <p:stCondLst>
-                                            <p:cond delay="0"/>
-                                          </p:stCondLst>
-                                        </p:cTn>
-                                        <p:tgtEl>
-                                          <p:spTgt spid="2"/>
                                         </p:tgtEl>
                                         <p:attrNameLst>
                                           <p:attrName>style.visibility</p:attrName>
